--- a/ECEN_5244_Term_Presentation.pptx
+++ b/ECEN_5244_Term_Presentation.pptx
@@ -236,7 +236,7 @@
           <a:p>
             <a:fld id="{345E6FB3-3F0F-48E7-A7E1-0FAA540EEE83}" type="datetimeFigureOut">
               <a:rPr lang="en-US" smtClean="0"/>
-              <a:t>12/4/2024</a:t>
+              <a:t>12/9/2024</a:t>
             </a:fld>
             <a:endParaRPr lang="en-US"/>
           </a:p>
@@ -1055,7 +1055,7 @@
           <a:p>
             <a:fld id="{108D516F-D6C4-4DDA-AB71-233FD27286C2}" type="datetimeFigureOut">
               <a:rPr lang="en-US" smtClean="0"/>
-              <a:t>12/4/2024</a:t>
+              <a:t>12/9/2024</a:t>
             </a:fld>
             <a:endParaRPr lang="en-US"/>
           </a:p>
@@ -1283,7 +1283,7 @@
           <a:p>
             <a:fld id="{108D516F-D6C4-4DDA-AB71-233FD27286C2}" type="datetimeFigureOut">
               <a:rPr lang="en-US" smtClean="0"/>
-              <a:t>12/4/2024</a:t>
+              <a:t>12/9/2024</a:t>
             </a:fld>
             <a:endParaRPr lang="en-US"/>
           </a:p>
@@ -1463,7 +1463,7 @@
           <a:p>
             <a:fld id="{108D516F-D6C4-4DDA-AB71-233FD27286C2}" type="datetimeFigureOut">
               <a:rPr lang="en-US" smtClean="0"/>
-              <a:t>12/4/2024</a:t>
+              <a:t>12/9/2024</a:t>
             </a:fld>
             <a:endParaRPr lang="en-US"/>
           </a:p>
@@ -1633,7 +1633,7 @@
           <a:p>
             <a:fld id="{108D516F-D6C4-4DDA-AB71-233FD27286C2}" type="datetimeFigureOut">
               <a:rPr lang="en-US" smtClean="0"/>
-              <a:t>12/4/2024</a:t>
+              <a:t>12/9/2024</a:t>
             </a:fld>
             <a:endParaRPr lang="en-US"/>
           </a:p>
@@ -1887,7 +1887,7 @@
           <a:p>
             <a:fld id="{108D516F-D6C4-4DDA-AB71-233FD27286C2}" type="datetimeFigureOut">
               <a:rPr lang="en-US" smtClean="0"/>
-              <a:t>12/4/2024</a:t>
+              <a:t>12/9/2024</a:t>
             </a:fld>
             <a:endParaRPr lang="en-US"/>
           </a:p>
@@ -2213,7 +2213,7 @@
           <a:p>
             <a:fld id="{108D516F-D6C4-4DDA-AB71-233FD27286C2}" type="datetimeFigureOut">
               <a:rPr lang="en-US" smtClean="0"/>
-              <a:t>12/4/2024</a:t>
+              <a:t>12/9/2024</a:t>
             </a:fld>
             <a:endParaRPr lang="en-US"/>
           </a:p>
@@ -2664,7 +2664,7 @@
           <a:p>
             <a:fld id="{108D516F-D6C4-4DDA-AB71-233FD27286C2}" type="datetimeFigureOut">
               <a:rPr lang="en-US" smtClean="0"/>
-              <a:t>12/4/2024</a:t>
+              <a:t>12/9/2024</a:t>
             </a:fld>
             <a:endParaRPr lang="en-US"/>
           </a:p>
@@ -2782,7 +2782,7 @@
           <a:p>
             <a:fld id="{108D516F-D6C4-4DDA-AB71-233FD27286C2}" type="datetimeFigureOut">
               <a:rPr lang="en-US" smtClean="0"/>
-              <a:t>12/4/2024</a:t>
+              <a:t>12/9/2024</a:t>
             </a:fld>
             <a:endParaRPr lang="en-US"/>
           </a:p>
@@ -2877,7 +2877,7 @@
           <a:p>
             <a:fld id="{108D516F-D6C4-4DDA-AB71-233FD27286C2}" type="datetimeFigureOut">
               <a:rPr lang="en-US" smtClean="0"/>
-              <a:t>12/4/2024</a:t>
+              <a:t>12/9/2024</a:t>
             </a:fld>
             <a:endParaRPr lang="en-US"/>
           </a:p>
@@ -3164,7 +3164,7 @@
           <a:p>
             <a:fld id="{108D516F-D6C4-4DDA-AB71-233FD27286C2}" type="datetimeFigureOut">
               <a:rPr lang="en-US" smtClean="0"/>
-              <a:t>12/4/2024</a:t>
+              <a:t>12/9/2024</a:t>
             </a:fld>
             <a:endParaRPr lang="en-US"/>
           </a:p>
@@ -3486,7 +3486,7 @@
           <a:p>
             <a:fld id="{108D516F-D6C4-4DDA-AB71-233FD27286C2}" type="datetimeFigureOut">
               <a:rPr lang="en-US" smtClean="0"/>
-              <a:t>12/4/2024</a:t>
+              <a:t>12/9/2024</a:t>
             </a:fld>
             <a:endParaRPr lang="en-US"/>
           </a:p>
@@ -3740,7 +3740,7 @@
           <a:p>
             <a:fld id="{108D516F-D6C4-4DDA-AB71-233FD27286C2}" type="datetimeFigureOut">
               <a:rPr lang="en-US" smtClean="0"/>
-              <a:t>12/4/2024</a:t>
+              <a:t>12/9/2024</a:t>
             </a:fld>
             <a:endParaRPr lang="en-US"/>
           </a:p>
@@ -8101,98 +8101,6 @@
   <p:clrMapOvr>
     <a:masterClrMapping/>
   </p:clrMapOvr>
-  <p:timing>
-    <p:tnLst>
-      <p:par>
-        <p:cTn id="1" dur="indefinite" restart="never" nodeType="tmRoot">
-          <p:childTnLst>
-            <p:seq concurrent="1" nextAc="seek">
-              <p:cTn id="2" dur="indefinite" nodeType="mainSeq">
-                <p:childTnLst>
-                  <p:par>
-                    <p:cTn id="3" fill="hold">
-                      <p:stCondLst>
-                        <p:cond delay="indefinite"/>
-                        <p:cond evt="onBegin" delay="0">
-                          <p:tn val="2"/>
-                        </p:cond>
-                      </p:stCondLst>
-                      <p:childTnLst>
-                        <p:par>
-                          <p:cTn id="4" fill="hold">
-                            <p:stCondLst>
-                              <p:cond delay="0"/>
-                            </p:stCondLst>
-                            <p:childTnLst>
-                              <p:par>
-                                <p:cTn id="5" presetID="10" presetClass="entr" presetSubtype="0" fill="hold" grpId="0" nodeType="withEffect">
-                                  <p:stCondLst>
-                                    <p:cond delay="1000"/>
-                                  </p:stCondLst>
-                                  <p:iterate>
-                                    <p:tmPct val="10000"/>
-                                  </p:iterate>
-                                  <p:childTnLst>
-                                    <p:set>
-                                      <p:cBhvr>
-                                        <p:cTn id="6" dur="1" fill="hold">
-                                          <p:stCondLst>
-                                            <p:cond delay="0"/>
-                                          </p:stCondLst>
-                                        </p:cTn>
-                                        <p:tgtEl>
-                                          <p:spTgt spid="2"/>
-                                        </p:tgtEl>
-                                        <p:attrNameLst>
-                                          <p:attrName>style.visibility</p:attrName>
-                                        </p:attrNameLst>
-                                      </p:cBhvr>
-                                      <p:to>
-                                        <p:strVal val="visible"/>
-                                      </p:to>
-                                    </p:set>
-                                    <p:animEffect transition="in" filter="fade">
-                                      <p:cBhvr>
-                                        <p:cTn id="7" dur="700"/>
-                                        <p:tgtEl>
-                                          <p:spTgt spid="2"/>
-                                        </p:tgtEl>
-                                      </p:cBhvr>
-                                    </p:animEffect>
-                                  </p:childTnLst>
-                                </p:cTn>
-                              </p:par>
-                            </p:childTnLst>
-                          </p:cTn>
-                        </p:par>
-                      </p:childTnLst>
-                    </p:cTn>
-                  </p:par>
-                </p:childTnLst>
-              </p:cTn>
-              <p:prevCondLst>
-                <p:cond evt="onPrev" delay="0">
-                  <p:tgtEl>
-                    <p:sldTgt/>
-                  </p:tgtEl>
-                </p:cond>
-              </p:prevCondLst>
-              <p:nextCondLst>
-                <p:cond evt="onNext" delay="0">
-                  <p:tgtEl>
-                    <p:sldTgt/>
-                  </p:tgtEl>
-                </p:cond>
-              </p:nextCondLst>
-            </p:seq>
-          </p:childTnLst>
-        </p:cTn>
-      </p:par>
-    </p:tnLst>
-    <p:bldLst>
-      <p:bldP spid="2" grpId="0"/>
-    </p:bldLst>
-  </p:timing>
 </p:sld>
 </file>
 
@@ -8408,19 +8316,17 @@
             </a:pPr>
             <a:r>
               <a:rPr lang="en-US" dirty="0"/>
-              <a:t>Spacecraft-to-ground communications optimization</a:t>
+              <a:t>Radio astronomy</a:t>
             </a:r>
           </a:p>
           <a:p>
-            <a:pPr marL="285750" indent="-182880" defTabSz="914400">
+            <a:pPr marL="102870" defTabSz="914400">
               <a:spcAft>
                 <a:spcPts val="600"/>
               </a:spcAft>
               <a:buClr>
                 <a:schemeClr val="accent1"/>
               </a:buClr>
-              <a:buFont typeface="Wingdings" panose="05000000000000000000" pitchFamily="2" charset="2"/>
-              <a:buChar char="§"/>
             </a:pPr>
             <a:endParaRPr lang="en-US" dirty="0"/>
           </a:p>
@@ -8466,7 +8372,7 @@
             </a:pPr>
             <a:r>
               <a:rPr lang="en-US" dirty="0"/>
-              <a:t>Navigation via cellular networks</a:t>
+              <a:t>Spacecraft-to-ground communications optimization</a:t>
             </a:r>
           </a:p>
           <a:p>
@@ -8495,19 +8401,17 @@
             </a:pPr>
             <a:r>
               <a:rPr lang="en-US" dirty="0"/>
-              <a:t>Medical imaging</a:t>
+              <a:t>Navigation</a:t>
             </a:r>
           </a:p>
           <a:p>
-            <a:pPr marL="285750" indent="-182880" defTabSz="914400">
+            <a:pPr marL="102870" defTabSz="914400">
               <a:spcAft>
                 <a:spcPts val="600"/>
               </a:spcAft>
               <a:buClr>
                 <a:schemeClr val="accent1"/>
               </a:buClr>
-              <a:buFont typeface="Wingdings" panose="05000000000000000000" pitchFamily="2" charset="2"/>
-              <a:buChar char="§"/>
             </a:pPr>
             <a:endParaRPr lang="en-US" dirty="0"/>
           </a:p>
@@ -8524,19 +8428,17 @@
             </a:pPr>
             <a:r>
               <a:rPr lang="en-US" dirty="0"/>
-              <a:t>Radio astronomy</a:t>
+              <a:t>Medical imaging</a:t>
             </a:r>
           </a:p>
           <a:p>
-            <a:pPr marL="285750" indent="-182880" defTabSz="914400">
+            <a:pPr marL="102870" defTabSz="914400">
               <a:spcAft>
                 <a:spcPts val="600"/>
               </a:spcAft>
               <a:buClr>
                 <a:schemeClr val="accent1"/>
               </a:buClr>
-              <a:buFont typeface="Wingdings" panose="05000000000000000000" pitchFamily="2" charset="2"/>
-              <a:buChar char="§"/>
             </a:pPr>
             <a:endParaRPr lang="en-US" dirty="0"/>
           </a:p>
@@ -8673,7 +8575,7 @@
               <a:rPr lang="en-US" sz="1400" dirty="0">
                 <a:cs typeface="Calibri" panose="020F0502020204030204" pitchFamily="34" charset="0"/>
               </a:rPr>
-              <a:t> of the National Radio Astronomy Observatory (NRAO) and NSF</a:t>
+              <a:t> at the National Radio Astronomy Observatory (NRAO) New Mexico</a:t>
             </a:r>
           </a:p>
         </p:txBody>
@@ -8708,6 +8610,60 @@
           <a:chExt cx="0" cy="0"/>
         </a:xfrm>
       </p:grpSpPr>
+      <p:sp>
+        <p:nvSpPr>
+          <p:cNvPr id="7" name="Rectangle 6">
+            <a:extLst>
+              <a:ext uri="{FF2B5EF4-FFF2-40B4-BE49-F238E27FC236}">
+                <a16:creationId xmlns:a16="http://schemas.microsoft.com/office/drawing/2014/main" id="{97F0CBE9-FAE4-CE6E-8590-257C1D88E3DA}"/>
+              </a:ext>
+            </a:extLst>
+          </p:cNvPr>
+          <p:cNvSpPr/>
+          <p:nvPr/>
+        </p:nvSpPr>
+        <p:spPr>
+          <a:xfrm>
+            <a:off x="0" y="0"/>
+            <a:ext cx="5455369" cy="6858000"/>
+          </a:xfrm>
+          <a:prstGeom prst="rect">
+            <a:avLst/>
+          </a:prstGeom>
+          <a:solidFill>
+            <a:schemeClr val="bg1">
+              <a:lumMod val="85000"/>
+            </a:schemeClr>
+          </a:solidFill>
+          <a:ln>
+            <a:noFill/>
+          </a:ln>
+        </p:spPr>
+        <p:style>
+          <a:lnRef idx="2">
+            <a:schemeClr val="accent1">
+              <a:shade val="15000"/>
+            </a:schemeClr>
+          </a:lnRef>
+          <a:fillRef idx="1">
+            <a:schemeClr val="accent1"/>
+          </a:fillRef>
+          <a:effectRef idx="0">
+            <a:schemeClr val="accent1"/>
+          </a:effectRef>
+          <a:fontRef idx="minor">
+            <a:schemeClr val="lt1"/>
+          </a:fontRef>
+        </p:style>
+        <p:txBody>
+          <a:bodyPr rtlCol="0" anchor="ctr"/>
+          <a:lstStyle/>
+          <a:p>
+            <a:pPr algn="ctr"/>
+            <a:endParaRPr lang="en-US"/>
+          </a:p>
+        </p:txBody>
+      </p:sp>
       <p:sp>
         <p:nvSpPr>
           <p:cNvPr id="2" name="Title 1">
@@ -8769,7 +8725,7 @@
         </p:nvGrpSpPr>
         <p:grpSpPr>
           <a:xfrm>
-            <a:off x="2202067" y="4661228"/>
+            <a:off x="1412772" y="4512819"/>
             <a:ext cx="247082" cy="379378"/>
             <a:chOff x="7726680" y="4951379"/>
             <a:chExt cx="247082" cy="379378"/>
@@ -8795,7 +8751,11 @@
             <a:prstGeom prst="line">
               <a:avLst/>
             </a:prstGeom>
-            <a:ln w="28575"/>
+            <a:ln w="28575">
+              <a:solidFill>
+                <a:schemeClr val="tx1"/>
+              </a:solidFill>
+            </a:ln>
           </p:spPr>
           <p:style>
             <a:lnRef idx="1">
@@ -8834,7 +8794,11 @@
             <a:prstGeom prst="line">
               <a:avLst/>
             </a:prstGeom>
-            <a:ln w="28575"/>
+            <a:ln w="28575">
+              <a:solidFill>
+                <a:schemeClr val="tx1"/>
+              </a:solidFill>
+            </a:ln>
           </p:spPr>
           <p:style>
             <a:lnRef idx="1">
@@ -8873,7 +8837,11 @@
             <a:prstGeom prst="line">
               <a:avLst/>
             </a:prstGeom>
-            <a:ln w="28575"/>
+            <a:ln w="28575">
+              <a:solidFill>
+                <a:schemeClr val="tx1"/>
+              </a:solidFill>
+            </a:ln>
           </p:spPr>
           <p:style>
             <a:lnRef idx="1">
@@ -8905,7 +8873,7 @@
         </p:nvGrpSpPr>
         <p:grpSpPr>
           <a:xfrm>
-            <a:off x="2760649" y="4675267"/>
+            <a:off x="1971354" y="4526858"/>
             <a:ext cx="247082" cy="379378"/>
             <a:chOff x="7726680" y="4951379"/>
             <a:chExt cx="247082" cy="379378"/>
@@ -8931,7 +8899,11 @@
             <a:prstGeom prst="line">
               <a:avLst/>
             </a:prstGeom>
-            <a:ln w="28575"/>
+            <a:ln w="28575">
+              <a:solidFill>
+                <a:schemeClr val="tx1"/>
+              </a:solidFill>
+            </a:ln>
           </p:spPr>
           <p:style>
             <a:lnRef idx="1">
@@ -8970,7 +8942,11 @@
             <a:prstGeom prst="line">
               <a:avLst/>
             </a:prstGeom>
-            <a:ln w="28575"/>
+            <a:ln w="28575">
+              <a:solidFill>
+                <a:schemeClr val="tx1"/>
+              </a:solidFill>
+            </a:ln>
           </p:spPr>
           <p:style>
             <a:lnRef idx="1">
@@ -9009,7 +8985,11 @@
             <a:prstGeom prst="line">
               <a:avLst/>
             </a:prstGeom>
-            <a:ln w="28575"/>
+            <a:ln w="28575">
+              <a:solidFill>
+                <a:schemeClr val="tx1"/>
+              </a:solidFill>
+            </a:ln>
           </p:spPr>
           <p:style>
             <a:lnRef idx="1">
@@ -9041,7 +9021,7 @@
         </p:nvGrpSpPr>
         <p:grpSpPr>
           <a:xfrm>
-            <a:off x="3319233" y="4675267"/>
+            <a:off x="2529938" y="4526858"/>
             <a:ext cx="247082" cy="379378"/>
             <a:chOff x="7726680" y="4951379"/>
             <a:chExt cx="247082" cy="379378"/>
@@ -9067,7 +9047,11 @@
             <a:prstGeom prst="line">
               <a:avLst/>
             </a:prstGeom>
-            <a:ln w="28575"/>
+            <a:ln w="28575">
+              <a:solidFill>
+                <a:schemeClr val="tx1"/>
+              </a:solidFill>
+            </a:ln>
           </p:spPr>
           <p:style>
             <a:lnRef idx="1">
@@ -9106,7 +9090,11 @@
             <a:prstGeom prst="line">
               <a:avLst/>
             </a:prstGeom>
-            <a:ln w="28575"/>
+            <a:ln w="28575">
+              <a:solidFill>
+                <a:schemeClr val="tx1"/>
+              </a:solidFill>
+            </a:ln>
           </p:spPr>
           <p:style>
             <a:lnRef idx="1">
@@ -9145,7 +9133,11 @@
             <a:prstGeom prst="line">
               <a:avLst/>
             </a:prstGeom>
-            <a:ln w="28575"/>
+            <a:ln w="28575">
+              <a:solidFill>
+                <a:schemeClr val="tx1"/>
+              </a:solidFill>
+            </a:ln>
           </p:spPr>
           <p:style>
             <a:lnRef idx="1">
@@ -9177,7 +9169,7 @@
         </p:nvGrpSpPr>
         <p:grpSpPr>
           <a:xfrm>
-            <a:off x="5038299" y="4675267"/>
+            <a:off x="4249004" y="4526858"/>
             <a:ext cx="247082" cy="379378"/>
             <a:chOff x="7726680" y="4951379"/>
             <a:chExt cx="247082" cy="379378"/>
@@ -9203,7 +9195,11 @@
             <a:prstGeom prst="line">
               <a:avLst/>
             </a:prstGeom>
-            <a:ln w="28575"/>
+            <a:ln w="28575">
+              <a:solidFill>
+                <a:schemeClr val="tx1"/>
+              </a:solidFill>
+            </a:ln>
           </p:spPr>
           <p:style>
             <a:lnRef idx="1">
@@ -9242,7 +9238,11 @@
             <a:prstGeom prst="line">
               <a:avLst/>
             </a:prstGeom>
-            <a:ln w="28575"/>
+            <a:ln w="28575">
+              <a:solidFill>
+                <a:schemeClr val="tx1"/>
+              </a:solidFill>
+            </a:ln>
           </p:spPr>
           <p:style>
             <a:lnRef idx="1">
@@ -9281,7 +9281,11 @@
             <a:prstGeom prst="line">
               <a:avLst/>
             </a:prstGeom>
-            <a:ln w="28575"/>
+            <a:ln w="28575">
+              <a:solidFill>
+                <a:schemeClr val="tx1"/>
+              </a:solidFill>
+            </a:ln>
           </p:spPr>
           <p:style>
             <a:lnRef idx="1">
@@ -9313,7 +9317,7 @@
         </p:nvSpPr>
         <p:spPr>
           <a:xfrm rot="5400000">
-            <a:off x="3715566" y="3859274"/>
+            <a:off x="2926271" y="3710865"/>
             <a:ext cx="97829" cy="3124828"/>
           </a:xfrm>
           <a:prstGeom prst="rightBrace">
@@ -9349,8 +9353,8 @@
           </a:p>
         </p:txBody>
       </p:sp>
-      <mc:AlternateContent xmlns:mc="http://schemas.openxmlformats.org/markup-compatibility/2006" xmlns:a14="http://schemas.microsoft.com/office/drawing/2010/main">
-        <mc:Choice Requires="a14">
+      <mc:AlternateContent xmlns:mc="http://schemas.openxmlformats.org/markup-compatibility/2006">
+        <mc:Choice xmlns:a14="http://schemas.microsoft.com/office/drawing/2010/main" Requires="a14">
           <p:sp>
             <p:nvSpPr>
               <p:cNvPr id="28" name="TextBox 27">
@@ -9365,7 +9369,7 @@
             </p:nvSpPr>
             <p:spPr>
               <a:xfrm>
-                <a:off x="2594770" y="5478823"/>
+                <a:off x="1805475" y="5330414"/>
                 <a:ext cx="2339419" cy="369332"/>
               </a:xfrm>
               <a:prstGeom prst="rect">
@@ -9400,7 +9404,7 @@
             </p:txBody>
           </p:sp>
         </mc:Choice>
-        <mc:Fallback xmlns="">
+        <mc:Fallback>
           <p:sp>
             <p:nvSpPr>
               <p:cNvPr id="28" name="TextBox 27">
@@ -9417,7 +9421,7 @@
             </p:nvSpPr>
             <p:spPr>
               <a:xfrm>
-                <a:off x="2594770" y="5478823"/>
+                <a:off x="1805475" y="5330414"/>
                 <a:ext cx="2339419" cy="369332"/>
               </a:xfrm>
               <a:prstGeom prst="rect">
@@ -9461,13 +9465,16 @@
         </p:nvCxnSpPr>
         <p:spPr>
           <a:xfrm>
-            <a:off x="2325608" y="5120634"/>
+            <a:off x="1536313" y="4972225"/>
             <a:ext cx="558582" cy="0"/>
           </a:xfrm>
           <a:prstGeom prst="straightConnector1">
             <a:avLst/>
           </a:prstGeom>
           <a:ln>
+            <a:solidFill>
+              <a:schemeClr val="tx1"/>
+            </a:solidFill>
             <a:headEnd type="triangle"/>
             <a:tailEnd type="triangle"/>
           </a:ln>
@@ -9487,8 +9494,8 @@
           </a:fontRef>
         </p:style>
       </p:cxnSp>
-      <mc:AlternateContent xmlns:mc="http://schemas.openxmlformats.org/markup-compatibility/2006" xmlns:a14="http://schemas.microsoft.com/office/drawing/2010/main">
-        <mc:Choice Requires="a14">
+      <mc:AlternateContent xmlns:mc="http://schemas.openxmlformats.org/markup-compatibility/2006">
+        <mc:Choice xmlns:a14="http://schemas.microsoft.com/office/drawing/2010/main" Requires="a14">
           <p:sp>
             <p:nvSpPr>
               <p:cNvPr id="32" name="TextBox 31">
@@ -9503,7 +9510,7 @@
             </p:nvSpPr>
             <p:spPr>
               <a:xfrm>
-                <a:off x="2449149" y="5052356"/>
+                <a:off x="1659854" y="4903947"/>
                 <a:ext cx="311500" cy="369332"/>
               </a:xfrm>
               <a:prstGeom prst="rect">
@@ -9538,7 +9545,7 @@
             </p:txBody>
           </p:sp>
         </mc:Choice>
-        <mc:Fallback xmlns="">
+        <mc:Fallback>
           <p:sp>
             <p:nvSpPr>
               <p:cNvPr id="32" name="TextBox 31">
@@ -9555,7 +9562,7 @@
             </p:nvSpPr>
             <p:spPr>
               <a:xfrm>
-                <a:off x="2449149" y="5052356"/>
+                <a:off x="1659854" y="4903947"/>
                 <a:ext cx="311500" cy="369332"/>
               </a:xfrm>
               <a:prstGeom prst="rect">
@@ -9583,8 +9590,8 @@
           </p:sp>
         </mc:Fallback>
       </mc:AlternateContent>
-      <mc:AlternateContent xmlns:mc="http://schemas.openxmlformats.org/markup-compatibility/2006" xmlns:a14="http://schemas.microsoft.com/office/drawing/2010/main">
-        <mc:Choice Requires="a14">
+      <mc:AlternateContent xmlns:mc="http://schemas.openxmlformats.org/markup-compatibility/2006">
+        <mc:Choice xmlns:a14="http://schemas.microsoft.com/office/drawing/2010/main" Requires="a14">
           <p:sp>
             <p:nvSpPr>
               <p:cNvPr id="33" name="TextBox 32">
@@ -9599,13 +9606,16 @@
             </p:nvSpPr>
             <p:spPr>
               <a:xfrm>
-                <a:off x="3625570" y="4769016"/>
+                <a:off x="2836275" y="4620607"/>
                 <a:ext cx="1273815" cy="369332"/>
               </a:xfrm>
               <a:prstGeom prst="rect">
                 <a:avLst/>
               </a:prstGeom>
               <a:noFill/>
+              <a:ln>
+                <a:noFill/>
+              </a:ln>
             </p:spPr>
             <p:txBody>
               <a:bodyPr wrap="square" rtlCol="0">
@@ -9634,7 +9644,7 @@
             </p:txBody>
           </p:sp>
         </mc:Choice>
-        <mc:Fallback xmlns="">
+        <mc:Fallback>
           <p:sp>
             <p:nvSpPr>
               <p:cNvPr id="33" name="TextBox 32">
@@ -9651,7 +9661,7 @@
             </p:nvSpPr>
             <p:spPr>
               <a:xfrm>
-                <a:off x="3625570" y="4769016"/>
+                <a:off x="2836275" y="4620607"/>
                 <a:ext cx="1273815" cy="369332"/>
               </a:xfrm>
               <a:prstGeom prst="rect">
@@ -9663,6 +9673,9 @@
                   <a:fillRect/>
                 </a:stretch>
               </a:blipFill>
+              <a:ln>
+                <a:noFill/>
+              </a:ln>
             </p:spPr>
             <p:txBody>
               <a:bodyPr/>
@@ -9707,7 +9720,7 @@
         </p:blipFill>
         <p:spPr>
           <a:xfrm>
-            <a:off x="2719570" y="3232797"/>
+            <a:off x="1930275" y="3084388"/>
             <a:ext cx="639816" cy="639816"/>
           </a:xfrm>
           <a:prstGeom prst="rect">
@@ -9743,7 +9756,7 @@
         </p:blipFill>
         <p:spPr>
           <a:xfrm rot="17670653">
-            <a:off x="1581902" y="3232797"/>
+            <a:off x="792607" y="3084388"/>
             <a:ext cx="639816" cy="639816"/>
           </a:xfrm>
           <a:prstGeom prst="rect">
@@ -9779,7 +9792,7 @@
         </p:blipFill>
         <p:spPr>
           <a:xfrm rot="1454227">
-            <a:off x="5006987" y="3213452"/>
+            <a:off x="4217692" y="3065043"/>
             <a:ext cx="639816" cy="639816"/>
           </a:xfrm>
           <a:prstGeom prst="rect">
@@ -9801,7 +9814,7 @@
         </p:nvSpPr>
         <p:spPr>
           <a:xfrm rot="16200000">
-            <a:off x="3496183" y="1209620"/>
+            <a:off x="2706888" y="1061211"/>
             <a:ext cx="121429" cy="3663536"/>
           </a:xfrm>
           <a:prstGeom prst="rightBrace">
@@ -9837,8 +9850,8 @@
           </a:p>
         </p:txBody>
       </p:sp>
-      <mc:AlternateContent xmlns:mc="http://schemas.openxmlformats.org/markup-compatibility/2006" xmlns:a14="http://schemas.microsoft.com/office/drawing/2010/main">
-        <mc:Choice Requires="a14">
+      <mc:AlternateContent xmlns:mc="http://schemas.openxmlformats.org/markup-compatibility/2006">
+        <mc:Choice xmlns:a14="http://schemas.microsoft.com/office/drawing/2010/main" Requires="a14">
           <p:sp>
             <p:nvSpPr>
               <p:cNvPr id="40" name="TextBox 39">
@@ -9853,7 +9866,7 @@
             </p:nvSpPr>
             <p:spPr>
               <a:xfrm>
-                <a:off x="2396605" y="2581120"/>
+                <a:off x="1607310" y="2432711"/>
                 <a:ext cx="2339419" cy="369332"/>
               </a:xfrm>
               <a:prstGeom prst="rect">
@@ -9888,7 +9901,7 @@
             </p:txBody>
           </p:sp>
         </mc:Choice>
-        <mc:Fallback xmlns="">
+        <mc:Fallback>
           <p:sp>
             <p:nvSpPr>
               <p:cNvPr id="40" name="TextBox 39">
@@ -9905,7 +9918,7 @@
             </p:nvSpPr>
             <p:spPr>
               <a:xfrm>
-                <a:off x="2396605" y="2581120"/>
+                <a:off x="1607310" y="2432711"/>
                 <a:ext cx="2339419" cy="369332"/>
               </a:xfrm>
               <a:prstGeom prst="rect">
@@ -9933,8 +9946,8 @@
           </p:sp>
         </mc:Fallback>
       </mc:AlternateContent>
-      <mc:AlternateContent xmlns:mc="http://schemas.openxmlformats.org/markup-compatibility/2006" xmlns:a14="http://schemas.microsoft.com/office/drawing/2010/main">
-        <mc:Choice Requires="a14">
+      <mc:AlternateContent xmlns:mc="http://schemas.openxmlformats.org/markup-compatibility/2006">
+        <mc:Choice xmlns:a14="http://schemas.microsoft.com/office/drawing/2010/main" Requires="a14">
           <p:sp>
             <p:nvSpPr>
               <p:cNvPr id="41" name="TextBox 40">
@@ -9949,7 +9962,7 @@
             </p:nvSpPr>
             <p:spPr>
               <a:xfrm>
-                <a:off x="3556897" y="3367702"/>
+                <a:off x="2767602" y="3219293"/>
                 <a:ext cx="1273815" cy="369332"/>
               </a:xfrm>
               <a:prstGeom prst="rect">
@@ -9984,7 +9997,7 @@
             </p:txBody>
           </p:sp>
         </mc:Choice>
-        <mc:Fallback xmlns="">
+        <mc:Fallback>
           <p:sp>
             <p:nvSpPr>
               <p:cNvPr id="41" name="TextBox 40">
@@ -10001,7 +10014,7 @@
             </p:nvSpPr>
             <p:spPr>
               <a:xfrm>
-                <a:off x="3556897" y="3367702"/>
+                <a:off x="2767602" y="3219293"/>
                 <a:ext cx="1273815" cy="369332"/>
               </a:xfrm>
               <a:prstGeom prst="rect">
@@ -10045,13 +10058,16 @@
         </p:nvCxnSpPr>
         <p:spPr>
           <a:xfrm>
-            <a:off x="656228" y="5237022"/>
+            <a:off x="557491" y="6523860"/>
             <a:ext cx="936396" cy="0"/>
           </a:xfrm>
           <a:prstGeom prst="straightConnector1">
             <a:avLst/>
           </a:prstGeom>
           <a:ln>
+            <a:solidFill>
+              <a:schemeClr val="tx1"/>
+            </a:solidFill>
             <a:headEnd type="triangle"/>
             <a:tailEnd type="triangle"/>
           </a:ln>
@@ -10087,13 +10103,16 @@
         </p:nvCxnSpPr>
         <p:spPr>
           <a:xfrm>
-            <a:off x="1124426" y="4634909"/>
+            <a:off x="1025689" y="5921747"/>
             <a:ext cx="0" cy="843914"/>
           </a:xfrm>
           <a:prstGeom prst="straightConnector1">
             <a:avLst/>
           </a:prstGeom>
           <a:ln>
+            <a:solidFill>
+              <a:schemeClr val="tx1"/>
+            </a:solidFill>
             <a:headEnd type="triangle"/>
             <a:tailEnd type="triangle"/>
           </a:ln>
@@ -10113,8 +10132,8 @@
           </a:fontRef>
         </p:style>
       </p:cxnSp>
-      <mc:AlternateContent xmlns:mc="http://schemas.openxmlformats.org/markup-compatibility/2006" xmlns:a14="http://schemas.microsoft.com/office/drawing/2010/main">
-        <mc:Choice Requires="a14">
+      <mc:AlternateContent xmlns:mc="http://schemas.openxmlformats.org/markup-compatibility/2006">
+        <mc:Choice xmlns:a14="http://schemas.microsoft.com/office/drawing/2010/main" Requires="a14">
           <p:sp>
             <p:nvSpPr>
               <p:cNvPr id="48" name="TextBox 47">
@@ -10129,7 +10148,7 @@
             </p:nvSpPr>
             <p:spPr>
               <a:xfrm>
-                <a:off x="846336" y="4353451"/>
+                <a:off x="747599" y="5640289"/>
                 <a:ext cx="556179" cy="307777"/>
               </a:xfrm>
               <a:prstGeom prst="rect">
@@ -10183,7 +10202,7 @@
             </p:txBody>
           </p:sp>
         </mc:Choice>
-        <mc:Fallback xmlns="">
+        <mc:Fallback>
           <p:sp>
             <p:nvSpPr>
               <p:cNvPr id="48" name="TextBox 47">
@@ -10200,7 +10219,7 @@
             </p:nvSpPr>
             <p:spPr>
               <a:xfrm>
-                <a:off x="846336" y="4353451"/>
+                <a:off x="747599" y="5640289"/>
                 <a:ext cx="556179" cy="307777"/>
               </a:xfrm>
               <a:prstGeom prst="rect">
@@ -10228,8 +10247,8 @@
           </p:sp>
         </mc:Fallback>
       </mc:AlternateContent>
-      <mc:AlternateContent xmlns:mc="http://schemas.openxmlformats.org/markup-compatibility/2006" xmlns:a14="http://schemas.microsoft.com/office/drawing/2010/main">
-        <mc:Choice Requires="a14">
+      <mc:AlternateContent xmlns:mc="http://schemas.openxmlformats.org/markup-compatibility/2006">
+        <mc:Choice xmlns:a14="http://schemas.microsoft.com/office/drawing/2010/main" Requires="a14">
           <p:sp>
             <p:nvSpPr>
               <p:cNvPr id="49" name="TextBox 48">
@@ -10244,7 +10263,7 @@
             </p:nvSpPr>
             <p:spPr>
               <a:xfrm>
-                <a:off x="1511509" y="5071458"/>
+                <a:off x="1412772" y="6358296"/>
                 <a:ext cx="556179" cy="307777"/>
               </a:xfrm>
               <a:prstGeom prst="rect">
@@ -10298,7 +10317,7 @@
             </p:txBody>
           </p:sp>
         </mc:Choice>
-        <mc:Fallback xmlns="">
+        <mc:Fallback>
           <p:sp>
             <p:nvSpPr>
               <p:cNvPr id="49" name="TextBox 48">
@@ -10315,7 +10334,7 @@
             </p:nvSpPr>
             <p:spPr>
               <a:xfrm>
-                <a:off x="1511509" y="5071458"/>
+                <a:off x="1412772" y="6358296"/>
                 <a:ext cx="556179" cy="307777"/>
               </a:xfrm>
               <a:prstGeom prst="rect">
@@ -10343,8 +10362,8 @@
           </p:sp>
         </mc:Fallback>
       </mc:AlternateContent>
-      <mc:AlternateContent xmlns:mc="http://schemas.openxmlformats.org/markup-compatibility/2006" xmlns:a14="http://schemas.microsoft.com/office/drawing/2010/main">
-        <mc:Choice Requires="a14">
+      <mc:AlternateContent xmlns:mc="http://schemas.openxmlformats.org/markup-compatibility/2006">
+        <mc:Choice xmlns:a14="http://schemas.microsoft.com/office/drawing/2010/main" Requires="a14">
           <p:sp>
             <p:nvSpPr>
               <p:cNvPr id="50" name="TextBox 49">
@@ -10359,7 +10378,7 @@
             </p:nvSpPr>
             <p:spPr>
               <a:xfrm>
-                <a:off x="93144" y="5083133"/>
+                <a:off x="-5593" y="6369971"/>
                 <a:ext cx="556179" cy="307777"/>
               </a:xfrm>
               <a:prstGeom prst="rect">
@@ -10413,7 +10432,7 @@
             </p:txBody>
           </p:sp>
         </mc:Choice>
-        <mc:Fallback xmlns="">
+        <mc:Fallback>
           <p:sp>
             <p:nvSpPr>
               <p:cNvPr id="50" name="TextBox 49">
@@ -10430,7 +10449,7 @@
             </p:nvSpPr>
             <p:spPr>
               <a:xfrm>
-                <a:off x="93144" y="5083133"/>
+                <a:off x="-5593" y="6369971"/>
                 <a:ext cx="556179" cy="307777"/>
               </a:xfrm>
               <a:prstGeom prst="rect">
@@ -13382,8 +13401,8 @@
           <a:chExt cx="0" cy="0"/>
         </a:xfrm>
       </p:grpSpPr>
-      <mc:AlternateContent xmlns:mc="http://schemas.openxmlformats.org/markup-compatibility/2006">
-        <mc:Choice xmlns:a14="http://schemas.microsoft.com/office/drawing/2010/main" Requires="a14">
+      <mc:AlternateContent xmlns:mc="http://schemas.openxmlformats.org/markup-compatibility/2006" xmlns:a14="http://schemas.microsoft.com/office/drawing/2010/main">
+        <mc:Choice Requires="a14">
           <p:sp>
             <p:nvSpPr>
               <p:cNvPr id="12" name="TextBox 11">
@@ -13793,7 +13812,7 @@
             </p:txBody>
           </p:sp>
         </mc:Choice>
-        <mc:Fallback>
+        <mc:Fallback xmlns="">
           <p:sp>
             <p:nvSpPr>
               <p:cNvPr id="12" name="TextBox 11">
@@ -13873,8 +13892,8 @@
           </a:p>
         </p:txBody>
       </p:sp>
-      <mc:AlternateContent xmlns:mc="http://schemas.openxmlformats.org/markup-compatibility/2006">
-        <mc:Choice xmlns:a14="http://schemas.microsoft.com/office/drawing/2010/main" Requires="a14">
+      <mc:AlternateContent xmlns:mc="http://schemas.openxmlformats.org/markup-compatibility/2006" xmlns:a14="http://schemas.microsoft.com/office/drawing/2010/main">
+        <mc:Choice Requires="a14">
           <p:sp>
             <p:nvSpPr>
               <p:cNvPr id="3" name="TextBox 2">
@@ -13980,7 +13999,7 @@
             </p:txBody>
           </p:sp>
         </mc:Choice>
-        <mc:Fallback>
+        <mc:Fallback xmlns="">
           <p:sp>
             <p:nvSpPr>
               <p:cNvPr id="3" name="TextBox 2">
@@ -15382,8 +15401,8 @@
           </a:p>
         </p:txBody>
       </p:sp>
-      <mc:AlternateContent xmlns:mc="http://schemas.openxmlformats.org/markup-compatibility/2006" xmlns:a14="http://schemas.microsoft.com/office/drawing/2010/main">
-        <mc:Choice Requires="a14">
+      <mc:AlternateContent xmlns:mc="http://schemas.openxmlformats.org/markup-compatibility/2006">
+        <mc:Choice xmlns:a14="http://schemas.microsoft.com/office/drawing/2010/main" Requires="a14">
           <p:sp>
             <p:nvSpPr>
               <p:cNvPr id="6" name="TextBox 5">
@@ -15399,7 +15418,7 @@
             <p:spPr>
               <a:xfrm>
                 <a:off x="259874" y="1321903"/>
-                <a:ext cx="5543585" cy="4925259"/>
+                <a:ext cx="5543585" cy="5007974"/>
               </a:xfrm>
               <a:prstGeom prst="rect">
                 <a:avLst/>
@@ -16331,12 +16350,24 @@
                                       </m:ctrlPr>
                                     </m:accPr>
                                     <m:e>
-                                      <m:r>
-                                        <a:rPr lang="en-US" i="1">
-                                          <a:latin typeface="Cambria Math" panose="02040503050406030204" pitchFamily="18" charset="0"/>
-                                        </a:rPr>
-                                        <m:t>𝐽</m:t>
-                                      </m:r>
+                                      <m:acc>
+                                        <m:accPr>
+                                          <m:chr m:val="̅"/>
+                                          <m:ctrlPr>
+                                            <a:rPr lang="en-US" b="0" i="1" smtClean="0">
+                                              <a:latin typeface="Cambria Math" panose="02040503050406030204" pitchFamily="18" charset="0"/>
+                                            </a:rPr>
+                                          </m:ctrlPr>
+                                        </m:accPr>
+                                        <m:e>
+                                          <m:r>
+                                            <a:rPr lang="en-US" i="1">
+                                              <a:latin typeface="Cambria Math" panose="02040503050406030204" pitchFamily="18" charset="0"/>
+                                            </a:rPr>
+                                            <m:t>𝐽</m:t>
+                                          </m:r>
+                                        </m:e>
+                                      </m:acc>
                                     </m:e>
                                   </m:acc>
                                 </m:e>
@@ -16345,32 +16376,38 @@
                                 <m:accPr>
                                   <m:chr m:val="̅"/>
                                   <m:ctrlPr>
-                                    <a:rPr lang="en-US" b="0" i="1" smtClean="0">
+                                    <a:rPr lang="en-US" b="0" i="1" dirty="0" smtClean="0">
                                       <a:latin typeface="Cambria Math" panose="02040503050406030204" pitchFamily="18" charset="0"/>
                                     </a:rPr>
                                   </m:ctrlPr>
                                 </m:accPr>
                                 <m:e>
-                                  <m:acc>
-                                    <m:accPr>
-                                      <m:chr m:val="̅"/>
-                                      <m:ctrlPr>
-                                        <a:rPr lang="en-US" b="0" i="1" smtClean="0">
-                                          <a:latin typeface="Cambria Math" panose="02040503050406030204" pitchFamily="18" charset="0"/>
-                                        </a:rPr>
-                                      </m:ctrlPr>
-                                    </m:accPr>
-                                    <m:e>
-                                      <m:r>
-                                        <a:rPr lang="en-US" i="1">
-                                          <a:latin typeface="Cambria Math" panose="02040503050406030204" pitchFamily="18" charset="0"/>
-                                        </a:rPr>
-                                        <m:t>𝐴</m:t>
-                                      </m:r>
-                                    </m:e>
-                                  </m:acc>
+                                  <m:r>
+                                    <a:rPr lang="en-US" b="0" i="1" dirty="0" smtClean="0">
+                                      <a:latin typeface="Cambria Math" panose="02040503050406030204" pitchFamily="18" charset="0"/>
+                                    </a:rPr>
+                                    <m:t>𝑎</m:t>
+                                  </m:r>
                                 </m:e>
                               </m:acc>
+                              <m:r>
+                                <a:rPr lang="en-US" b="0" i="1" dirty="0" smtClean="0">
+                                  <a:latin typeface="Cambria Math" panose="02040503050406030204" pitchFamily="18" charset="0"/>
+                                </a:rPr>
+                                <m:t>(</m:t>
+                              </m:r>
+                              <m:r>
+                                <a:rPr lang="en-US" b="0" i="1" dirty="0" smtClean="0">
+                                  <a:latin typeface="Cambria Math" panose="02040503050406030204" pitchFamily="18" charset="0"/>
+                                </a:rPr>
+                                <m:t>𝜃</m:t>
+                              </m:r>
+                              <m:r>
+                                <a:rPr lang="en-US" b="0" i="1" dirty="0" smtClean="0">
+                                  <a:latin typeface="Cambria Math" panose="02040503050406030204" pitchFamily="18" charset="0"/>
+                                </a:rPr>
+                                <m:t>)</m:t>
+                              </m:r>
                               <m:r>
                                 <m:rPr>
                                   <m:lit/>
@@ -16539,26 +16576,32 @@
                                   </m:ctrlPr>
                                 </m:accPr>
                                 <m:e>
-                                  <m:acc>
-                                    <m:accPr>
-                                      <m:chr m:val="̅"/>
-                                      <m:ctrlPr>
-                                        <a:rPr lang="en-US" b="0" i="1" smtClean="0">
-                                          <a:latin typeface="Cambria Math" panose="02040503050406030204" pitchFamily="18" charset="0"/>
-                                        </a:rPr>
-                                      </m:ctrlPr>
-                                    </m:accPr>
-                                    <m:e>
-                                      <m:r>
-                                        <a:rPr lang="en-US" i="1">
-                                          <a:latin typeface="Cambria Math" panose="02040503050406030204" pitchFamily="18" charset="0"/>
-                                        </a:rPr>
-                                        <m:t>𝐴</m:t>
-                                      </m:r>
-                                    </m:e>
-                                  </m:acc>
+                                  <m:r>
+                                    <a:rPr lang="en-US" b="0" i="1" smtClean="0">
+                                      <a:latin typeface="Cambria Math" panose="02040503050406030204" pitchFamily="18" charset="0"/>
+                                    </a:rPr>
+                                    <m:t>𝑎</m:t>
+                                  </m:r>
                                 </m:e>
                               </m:acc>
+                              <m:r>
+                                <a:rPr lang="en-US" b="0" i="1" smtClean="0">
+                                  <a:latin typeface="Cambria Math" panose="02040503050406030204" pitchFamily="18" charset="0"/>
+                                </a:rPr>
+                                <m:t>(</m:t>
+                              </m:r>
+                              <m:r>
+                                <a:rPr lang="en-US" b="0" i="1" smtClean="0">
+                                  <a:latin typeface="Cambria Math" panose="02040503050406030204" pitchFamily="18" charset="0"/>
+                                </a:rPr>
+                                <m:t>𝜃</m:t>
+                              </m:r>
+                              <m:r>
+                                <a:rPr lang="en-US" b="0" i="1" smtClean="0">
+                                  <a:latin typeface="Cambria Math" panose="02040503050406030204" pitchFamily="18" charset="0"/>
+                                </a:rPr>
+                                <m:t>)</m:t>
+                              </m:r>
                               <m:r>
                                 <m:rPr>
                                   <m:lit/>
@@ -16616,7 +16659,7 @@
             </p:txBody>
           </p:sp>
         </mc:Choice>
-        <mc:Fallback xmlns="">
+        <mc:Fallback>
           <p:sp>
             <p:nvSpPr>
               <p:cNvPr id="6" name="TextBox 5">
@@ -16634,7 +16677,7 @@
             <p:spPr>
               <a:xfrm>
                 <a:off x="259874" y="1321903"/>
-                <a:ext cx="5543585" cy="4925259"/>
+                <a:ext cx="5543585" cy="5007974"/>
               </a:xfrm>
               <a:prstGeom prst="rect">
                 <a:avLst/>
@@ -16642,7 +16685,7 @@
               <a:blipFill>
                 <a:blip r:embed="rId2"/>
                 <a:stretch>
-                  <a:fillRect l="-770" t="-743"/>
+                  <a:fillRect l="-770" t="-731"/>
                 </a:stretch>
               </a:blipFill>
             </p:spPr>
